--- a/ppt 16-9/0312.圣经的话.pptx
+++ b/ppt 16-9/0312.圣经的话.pptx
@@ -5,7 +5,7 @@
     <p:sldMasterId id="2147483648" r:id="rId1"/>
   </p:sldMasterIdLst>
   <p:sldIdLst>
-    <p:sldId id="3196" r:id="rId2"/>
+    <p:sldId id="3198" r:id="rId2"/>
   </p:sldIdLst>
   <p:sldSz cx="12192000" cy="6858000"/>
   <p:notesSz cx="6858000" cy="9144000"/>
@@ -129,7 +129,7 @@
           <p:cNvPr id="2" name="标题 1">
             <a:extLst>
               <a:ext uri="{FF2B5EF4-FFF2-40B4-BE49-F238E27FC236}">
-                <a16:creationId xmlns:a16="http://schemas.microsoft.com/office/drawing/2014/main" id="{7CE430B6-45AF-E1A7-6DD1-E47A7D51C7EC}"/>
+                <a16:creationId xmlns:a16="http://schemas.microsoft.com/office/drawing/2014/main" id="{04E4A338-836B-842D-04DC-916C03577D22}"/>
               </a:ext>
             </a:extLst>
           </p:cNvPr>
@@ -166,7 +166,7 @@
           <p:cNvPr id="3" name="副标题 2">
             <a:extLst>
               <a:ext uri="{FF2B5EF4-FFF2-40B4-BE49-F238E27FC236}">
-                <a16:creationId xmlns:a16="http://schemas.microsoft.com/office/drawing/2014/main" id="{8F846C32-7A63-41B7-E617-174EFCB385BD}"/>
+                <a16:creationId xmlns:a16="http://schemas.microsoft.com/office/drawing/2014/main" id="{950FBDF8-0793-6308-02BE-95DDAF7B2A1F}"/>
               </a:ext>
             </a:extLst>
           </p:cNvPr>
@@ -236,7 +236,7 @@
           <p:cNvPr id="4" name="日期占位符 3">
             <a:extLst>
               <a:ext uri="{FF2B5EF4-FFF2-40B4-BE49-F238E27FC236}">
-                <a16:creationId xmlns:a16="http://schemas.microsoft.com/office/drawing/2014/main" id="{DD858925-6CDD-BDB2-98F6-6A2FF07EDBAD}"/>
+                <a16:creationId xmlns:a16="http://schemas.microsoft.com/office/drawing/2014/main" id="{543D25CA-F6B7-5AA4-6F85-4B3B40233EA2}"/>
               </a:ext>
             </a:extLst>
           </p:cNvPr>
@@ -252,7 +252,7 @@
           <a:bodyPr/>
           <a:lstStyle/>
           <a:p>
-            <a:fld id="{EE5C1DCF-FBAE-4DF8-B038-3712B8E92CC9}" type="datetimeFigureOut">
+            <a:fld id="{DF54E3B6-993A-4573-927B-2ED5DAC6C89E}" type="datetimeFigureOut">
               <a:rPr lang="zh-CN" altLang="en-US" smtClean="0"/>
               <a:t>2024/3/10</a:t>
             </a:fld>
@@ -265,7 +265,7 @@
           <p:cNvPr id="5" name="页脚占位符 4">
             <a:extLst>
               <a:ext uri="{FF2B5EF4-FFF2-40B4-BE49-F238E27FC236}">
-                <a16:creationId xmlns:a16="http://schemas.microsoft.com/office/drawing/2014/main" id="{3D950719-C036-1C74-6CC6-8A36B833048F}"/>
+                <a16:creationId xmlns:a16="http://schemas.microsoft.com/office/drawing/2014/main" id="{9C0D3EEB-D74C-8AA4-8A92-636626CACD19}"/>
               </a:ext>
             </a:extLst>
           </p:cNvPr>
@@ -290,7 +290,7 @@
           <p:cNvPr id="6" name="灯片编号占位符 5">
             <a:extLst>
               <a:ext uri="{FF2B5EF4-FFF2-40B4-BE49-F238E27FC236}">
-                <a16:creationId xmlns:a16="http://schemas.microsoft.com/office/drawing/2014/main" id="{D5BE87ED-1C6A-48B8-CF89-6F69FF3FA8BC}"/>
+                <a16:creationId xmlns:a16="http://schemas.microsoft.com/office/drawing/2014/main" id="{CE7D9D08-2233-79B4-6EA8-456FABDD77BF}"/>
               </a:ext>
             </a:extLst>
           </p:cNvPr>
@@ -306,7 +306,7 @@
           <a:bodyPr/>
           <a:lstStyle/>
           <a:p>
-            <a:fld id="{F771F2CF-8477-4FF4-9D47-5FC4D9A19634}" type="slidenum">
+            <a:fld id="{D60FA6F7-202C-46CC-AED2-AF4F88BFAC25}" type="slidenum">
               <a:rPr lang="zh-CN" altLang="en-US" smtClean="0"/>
               <a:t>‹#›</a:t>
             </a:fld>
@@ -317,7 +317,7 @@
     </p:spTree>
     <p:extLst>
       <p:ext uri="{BB962C8B-B14F-4D97-AF65-F5344CB8AC3E}">
-        <p14:creationId xmlns:p14="http://schemas.microsoft.com/office/powerpoint/2010/main" val="1911778343"/>
+        <p14:creationId xmlns:p14="http://schemas.microsoft.com/office/powerpoint/2010/main" val="3521829636"/>
       </p:ext>
     </p:extLst>
   </p:cSld>
@@ -349,7 +349,7 @@
           <p:cNvPr id="2" name="标题 1">
             <a:extLst>
               <a:ext uri="{FF2B5EF4-FFF2-40B4-BE49-F238E27FC236}">
-                <a16:creationId xmlns:a16="http://schemas.microsoft.com/office/drawing/2014/main" id="{1C04DDB5-1C41-0240-C8B2-8B9A526B284D}"/>
+                <a16:creationId xmlns:a16="http://schemas.microsoft.com/office/drawing/2014/main" id="{B9E49399-C3CB-4E7F-5EE8-768F0E1F17D0}"/>
               </a:ext>
             </a:extLst>
           </p:cNvPr>
@@ -377,7 +377,7 @@
           <p:cNvPr id="3" name="竖排文字占位符 2">
             <a:extLst>
               <a:ext uri="{FF2B5EF4-FFF2-40B4-BE49-F238E27FC236}">
-                <a16:creationId xmlns:a16="http://schemas.microsoft.com/office/drawing/2014/main" id="{64B095AC-A128-EB9B-25EA-D430A701E01D}"/>
+                <a16:creationId xmlns:a16="http://schemas.microsoft.com/office/drawing/2014/main" id="{C57AF75D-3012-6A1D-D32B-A1C2CB9C567C}"/>
               </a:ext>
             </a:extLst>
           </p:cNvPr>
@@ -434,7 +434,7 @@
           <p:cNvPr id="4" name="日期占位符 3">
             <a:extLst>
               <a:ext uri="{FF2B5EF4-FFF2-40B4-BE49-F238E27FC236}">
-                <a16:creationId xmlns:a16="http://schemas.microsoft.com/office/drawing/2014/main" id="{CB131B5E-6AEB-EA62-6429-E65B8A9382E4}"/>
+                <a16:creationId xmlns:a16="http://schemas.microsoft.com/office/drawing/2014/main" id="{A8F69CD7-E095-63B2-13FF-0348DC8B7DD5}"/>
               </a:ext>
             </a:extLst>
           </p:cNvPr>
@@ -450,7 +450,7 @@
           <a:bodyPr/>
           <a:lstStyle/>
           <a:p>
-            <a:fld id="{EE5C1DCF-FBAE-4DF8-B038-3712B8E92CC9}" type="datetimeFigureOut">
+            <a:fld id="{DF54E3B6-993A-4573-927B-2ED5DAC6C89E}" type="datetimeFigureOut">
               <a:rPr lang="zh-CN" altLang="en-US" smtClean="0"/>
               <a:t>2024/3/10</a:t>
             </a:fld>
@@ -463,7 +463,7 @@
           <p:cNvPr id="5" name="页脚占位符 4">
             <a:extLst>
               <a:ext uri="{FF2B5EF4-FFF2-40B4-BE49-F238E27FC236}">
-                <a16:creationId xmlns:a16="http://schemas.microsoft.com/office/drawing/2014/main" id="{2DE5C737-6977-92E4-C141-5664FB69CEB0}"/>
+                <a16:creationId xmlns:a16="http://schemas.microsoft.com/office/drawing/2014/main" id="{2427E428-029F-2D9E-355D-5EECE3E77095}"/>
               </a:ext>
             </a:extLst>
           </p:cNvPr>
@@ -488,7 +488,7 @@
           <p:cNvPr id="6" name="灯片编号占位符 5">
             <a:extLst>
               <a:ext uri="{FF2B5EF4-FFF2-40B4-BE49-F238E27FC236}">
-                <a16:creationId xmlns:a16="http://schemas.microsoft.com/office/drawing/2014/main" id="{5FF20A4D-AC55-AF81-15CD-6E312CDC5851}"/>
+                <a16:creationId xmlns:a16="http://schemas.microsoft.com/office/drawing/2014/main" id="{7D872619-67DA-F274-BCB6-ACCF57CC28CE}"/>
               </a:ext>
             </a:extLst>
           </p:cNvPr>
@@ -504,7 +504,7 @@
           <a:bodyPr/>
           <a:lstStyle/>
           <a:p>
-            <a:fld id="{F771F2CF-8477-4FF4-9D47-5FC4D9A19634}" type="slidenum">
+            <a:fld id="{D60FA6F7-202C-46CC-AED2-AF4F88BFAC25}" type="slidenum">
               <a:rPr lang="zh-CN" altLang="en-US" smtClean="0"/>
               <a:t>‹#›</a:t>
             </a:fld>
@@ -515,7 +515,7 @@
     </p:spTree>
     <p:extLst>
       <p:ext uri="{BB962C8B-B14F-4D97-AF65-F5344CB8AC3E}">
-        <p14:creationId xmlns:p14="http://schemas.microsoft.com/office/powerpoint/2010/main" val="1944594081"/>
+        <p14:creationId xmlns:p14="http://schemas.microsoft.com/office/powerpoint/2010/main" val="4238643072"/>
       </p:ext>
     </p:extLst>
   </p:cSld>
@@ -547,7 +547,7 @@
           <p:cNvPr id="2" name="竖排标题 1">
             <a:extLst>
               <a:ext uri="{FF2B5EF4-FFF2-40B4-BE49-F238E27FC236}">
-                <a16:creationId xmlns:a16="http://schemas.microsoft.com/office/drawing/2014/main" id="{6790B9E0-CBA2-67A0-539F-491463377931}"/>
+                <a16:creationId xmlns:a16="http://schemas.microsoft.com/office/drawing/2014/main" id="{64684FA5-B997-E9FD-BFB1-326B97AF6B87}"/>
               </a:ext>
             </a:extLst>
           </p:cNvPr>
@@ -580,7 +580,7 @@
           <p:cNvPr id="3" name="竖排文字占位符 2">
             <a:extLst>
               <a:ext uri="{FF2B5EF4-FFF2-40B4-BE49-F238E27FC236}">
-                <a16:creationId xmlns:a16="http://schemas.microsoft.com/office/drawing/2014/main" id="{DFBCD9B7-1003-3893-502E-D434CA2EFCAC}"/>
+                <a16:creationId xmlns:a16="http://schemas.microsoft.com/office/drawing/2014/main" id="{1DE57646-8BF5-B4FB-2B74-15F5BF4D0725}"/>
               </a:ext>
             </a:extLst>
           </p:cNvPr>
@@ -642,7 +642,7 @@
           <p:cNvPr id="4" name="日期占位符 3">
             <a:extLst>
               <a:ext uri="{FF2B5EF4-FFF2-40B4-BE49-F238E27FC236}">
-                <a16:creationId xmlns:a16="http://schemas.microsoft.com/office/drawing/2014/main" id="{F7B850D2-9F7D-AA93-C6E7-DDFCB1EF9E44}"/>
+                <a16:creationId xmlns:a16="http://schemas.microsoft.com/office/drawing/2014/main" id="{FCE2A9C4-C774-4541-194D-BC7000D1D5D2}"/>
               </a:ext>
             </a:extLst>
           </p:cNvPr>
@@ -658,7 +658,7 @@
           <a:bodyPr/>
           <a:lstStyle/>
           <a:p>
-            <a:fld id="{EE5C1DCF-FBAE-4DF8-B038-3712B8E92CC9}" type="datetimeFigureOut">
+            <a:fld id="{DF54E3B6-993A-4573-927B-2ED5DAC6C89E}" type="datetimeFigureOut">
               <a:rPr lang="zh-CN" altLang="en-US" smtClean="0"/>
               <a:t>2024/3/10</a:t>
             </a:fld>
@@ -671,7 +671,7 @@
           <p:cNvPr id="5" name="页脚占位符 4">
             <a:extLst>
               <a:ext uri="{FF2B5EF4-FFF2-40B4-BE49-F238E27FC236}">
-                <a16:creationId xmlns:a16="http://schemas.microsoft.com/office/drawing/2014/main" id="{C9E697D4-91D6-DE4B-41AA-FBFE41F93741}"/>
+                <a16:creationId xmlns:a16="http://schemas.microsoft.com/office/drawing/2014/main" id="{B617E2C0-3B18-8436-EDCD-3A6DD99E94E0}"/>
               </a:ext>
             </a:extLst>
           </p:cNvPr>
@@ -696,7 +696,7 @@
           <p:cNvPr id="6" name="灯片编号占位符 5">
             <a:extLst>
               <a:ext uri="{FF2B5EF4-FFF2-40B4-BE49-F238E27FC236}">
-                <a16:creationId xmlns:a16="http://schemas.microsoft.com/office/drawing/2014/main" id="{3C0B4EA0-8F1F-5CCA-CCFA-7DB4DAF5E725}"/>
+                <a16:creationId xmlns:a16="http://schemas.microsoft.com/office/drawing/2014/main" id="{2C285CA9-FC5C-8622-D068-7670D9CB8520}"/>
               </a:ext>
             </a:extLst>
           </p:cNvPr>
@@ -712,7 +712,7 @@
           <a:bodyPr/>
           <a:lstStyle/>
           <a:p>
-            <a:fld id="{F771F2CF-8477-4FF4-9D47-5FC4D9A19634}" type="slidenum">
+            <a:fld id="{D60FA6F7-202C-46CC-AED2-AF4F88BFAC25}" type="slidenum">
               <a:rPr lang="zh-CN" altLang="en-US" smtClean="0"/>
               <a:t>‹#›</a:t>
             </a:fld>
@@ -723,7 +723,7 @@
     </p:spTree>
     <p:extLst>
       <p:ext uri="{BB962C8B-B14F-4D97-AF65-F5344CB8AC3E}">
-        <p14:creationId xmlns:p14="http://schemas.microsoft.com/office/powerpoint/2010/main" val="305370078"/>
+        <p14:creationId xmlns:p14="http://schemas.microsoft.com/office/powerpoint/2010/main" val="2615212245"/>
       </p:ext>
     </p:extLst>
   </p:cSld>
@@ -755,7 +755,7 @@
           <p:cNvPr id="2" name="标题 1">
             <a:extLst>
               <a:ext uri="{FF2B5EF4-FFF2-40B4-BE49-F238E27FC236}">
-                <a16:creationId xmlns:a16="http://schemas.microsoft.com/office/drawing/2014/main" id="{A245EF76-8598-5344-86EB-76AF25936B19}"/>
+                <a16:creationId xmlns:a16="http://schemas.microsoft.com/office/drawing/2014/main" id="{D6F727E1-9BE0-5827-6A48-43BAB3FD2CF8}"/>
               </a:ext>
             </a:extLst>
           </p:cNvPr>
@@ -783,7 +783,7 @@
           <p:cNvPr id="3" name="内容占位符 2">
             <a:extLst>
               <a:ext uri="{FF2B5EF4-FFF2-40B4-BE49-F238E27FC236}">
-                <a16:creationId xmlns:a16="http://schemas.microsoft.com/office/drawing/2014/main" id="{89C59AAF-5ABC-EB51-3A7F-D23521AF5A4F}"/>
+                <a16:creationId xmlns:a16="http://schemas.microsoft.com/office/drawing/2014/main" id="{B144E64A-78FE-50FB-B959-369A907D9E1D}"/>
               </a:ext>
             </a:extLst>
           </p:cNvPr>
@@ -840,7 +840,7 @@
           <p:cNvPr id="4" name="日期占位符 3">
             <a:extLst>
               <a:ext uri="{FF2B5EF4-FFF2-40B4-BE49-F238E27FC236}">
-                <a16:creationId xmlns:a16="http://schemas.microsoft.com/office/drawing/2014/main" id="{67CF37A3-9882-B80C-B450-9F5DBFCB2546}"/>
+                <a16:creationId xmlns:a16="http://schemas.microsoft.com/office/drawing/2014/main" id="{9F12E0A1-258F-5154-878E-2B3E03712D22}"/>
               </a:ext>
             </a:extLst>
           </p:cNvPr>
@@ -856,7 +856,7 @@
           <a:bodyPr/>
           <a:lstStyle/>
           <a:p>
-            <a:fld id="{EE5C1DCF-FBAE-4DF8-B038-3712B8E92CC9}" type="datetimeFigureOut">
+            <a:fld id="{DF54E3B6-993A-4573-927B-2ED5DAC6C89E}" type="datetimeFigureOut">
               <a:rPr lang="zh-CN" altLang="en-US" smtClean="0"/>
               <a:t>2024/3/10</a:t>
             </a:fld>
@@ -869,7 +869,7 @@
           <p:cNvPr id="5" name="页脚占位符 4">
             <a:extLst>
               <a:ext uri="{FF2B5EF4-FFF2-40B4-BE49-F238E27FC236}">
-                <a16:creationId xmlns:a16="http://schemas.microsoft.com/office/drawing/2014/main" id="{F5175F0F-419A-0542-8009-06AAE75E6C57}"/>
+                <a16:creationId xmlns:a16="http://schemas.microsoft.com/office/drawing/2014/main" id="{348DFABA-5820-A417-7776-D2CE77DCEFE4}"/>
               </a:ext>
             </a:extLst>
           </p:cNvPr>
@@ -894,7 +894,7 @@
           <p:cNvPr id="6" name="灯片编号占位符 5">
             <a:extLst>
               <a:ext uri="{FF2B5EF4-FFF2-40B4-BE49-F238E27FC236}">
-                <a16:creationId xmlns:a16="http://schemas.microsoft.com/office/drawing/2014/main" id="{CA813481-80E5-FA03-73B4-37207DB1CC75}"/>
+                <a16:creationId xmlns:a16="http://schemas.microsoft.com/office/drawing/2014/main" id="{98BED9C7-0737-8DE9-7619-174A7A44C435}"/>
               </a:ext>
             </a:extLst>
           </p:cNvPr>
@@ -910,7 +910,7 @@
           <a:bodyPr/>
           <a:lstStyle/>
           <a:p>
-            <a:fld id="{F771F2CF-8477-4FF4-9D47-5FC4D9A19634}" type="slidenum">
+            <a:fld id="{D60FA6F7-202C-46CC-AED2-AF4F88BFAC25}" type="slidenum">
               <a:rPr lang="zh-CN" altLang="en-US" smtClean="0"/>
               <a:t>‹#›</a:t>
             </a:fld>
@@ -921,7 +921,7 @@
     </p:spTree>
     <p:extLst>
       <p:ext uri="{BB962C8B-B14F-4D97-AF65-F5344CB8AC3E}">
-        <p14:creationId xmlns:p14="http://schemas.microsoft.com/office/powerpoint/2010/main" val="156783160"/>
+        <p14:creationId xmlns:p14="http://schemas.microsoft.com/office/powerpoint/2010/main" val="3944620365"/>
       </p:ext>
     </p:extLst>
   </p:cSld>
@@ -953,7 +953,7 @@
           <p:cNvPr id="2" name="标题 1">
             <a:extLst>
               <a:ext uri="{FF2B5EF4-FFF2-40B4-BE49-F238E27FC236}">
-                <a16:creationId xmlns:a16="http://schemas.microsoft.com/office/drawing/2014/main" id="{1845DE64-A97B-76F8-B429-F6E46FCB160E}"/>
+                <a16:creationId xmlns:a16="http://schemas.microsoft.com/office/drawing/2014/main" id="{F6420DB6-D303-C308-A87B-22E911BEC49A}"/>
               </a:ext>
             </a:extLst>
           </p:cNvPr>
@@ -990,7 +990,7 @@
           <p:cNvPr id="3" name="文本占位符 2">
             <a:extLst>
               <a:ext uri="{FF2B5EF4-FFF2-40B4-BE49-F238E27FC236}">
-                <a16:creationId xmlns:a16="http://schemas.microsoft.com/office/drawing/2014/main" id="{228DE6B1-BE21-EE1B-C6D9-64A6125A9CD8}"/>
+                <a16:creationId xmlns:a16="http://schemas.microsoft.com/office/drawing/2014/main" id="{78018DDC-AF29-F531-5672-AE59C2D22229}"/>
               </a:ext>
             </a:extLst>
           </p:cNvPr>
@@ -1115,7 +1115,7 @@
           <p:cNvPr id="4" name="日期占位符 3">
             <a:extLst>
               <a:ext uri="{FF2B5EF4-FFF2-40B4-BE49-F238E27FC236}">
-                <a16:creationId xmlns:a16="http://schemas.microsoft.com/office/drawing/2014/main" id="{4BC92709-E188-B296-B39C-DFE602949672}"/>
+                <a16:creationId xmlns:a16="http://schemas.microsoft.com/office/drawing/2014/main" id="{CC632282-6AA0-0AED-FA6D-BDA26F442519}"/>
               </a:ext>
             </a:extLst>
           </p:cNvPr>
@@ -1131,7 +1131,7 @@
           <a:bodyPr/>
           <a:lstStyle/>
           <a:p>
-            <a:fld id="{EE5C1DCF-FBAE-4DF8-B038-3712B8E92CC9}" type="datetimeFigureOut">
+            <a:fld id="{DF54E3B6-993A-4573-927B-2ED5DAC6C89E}" type="datetimeFigureOut">
               <a:rPr lang="zh-CN" altLang="en-US" smtClean="0"/>
               <a:t>2024/3/10</a:t>
             </a:fld>
@@ -1144,7 +1144,7 @@
           <p:cNvPr id="5" name="页脚占位符 4">
             <a:extLst>
               <a:ext uri="{FF2B5EF4-FFF2-40B4-BE49-F238E27FC236}">
-                <a16:creationId xmlns:a16="http://schemas.microsoft.com/office/drawing/2014/main" id="{D85779BF-8AF9-F851-1C48-191DD126F86C}"/>
+                <a16:creationId xmlns:a16="http://schemas.microsoft.com/office/drawing/2014/main" id="{847ED53C-D676-E862-F388-0FCA431233CB}"/>
               </a:ext>
             </a:extLst>
           </p:cNvPr>
@@ -1169,7 +1169,7 @@
           <p:cNvPr id="6" name="灯片编号占位符 5">
             <a:extLst>
               <a:ext uri="{FF2B5EF4-FFF2-40B4-BE49-F238E27FC236}">
-                <a16:creationId xmlns:a16="http://schemas.microsoft.com/office/drawing/2014/main" id="{B70C119B-8449-31C6-A69A-415DA37DA73A}"/>
+                <a16:creationId xmlns:a16="http://schemas.microsoft.com/office/drawing/2014/main" id="{E7090E3F-3918-858C-A17A-90874E0DF150}"/>
               </a:ext>
             </a:extLst>
           </p:cNvPr>
@@ -1185,7 +1185,7 @@
           <a:bodyPr/>
           <a:lstStyle/>
           <a:p>
-            <a:fld id="{F771F2CF-8477-4FF4-9D47-5FC4D9A19634}" type="slidenum">
+            <a:fld id="{D60FA6F7-202C-46CC-AED2-AF4F88BFAC25}" type="slidenum">
               <a:rPr lang="zh-CN" altLang="en-US" smtClean="0"/>
               <a:t>‹#›</a:t>
             </a:fld>
@@ -1196,7 +1196,7 @@
     </p:spTree>
     <p:extLst>
       <p:ext uri="{BB962C8B-B14F-4D97-AF65-F5344CB8AC3E}">
-        <p14:creationId xmlns:p14="http://schemas.microsoft.com/office/powerpoint/2010/main" val="1293757658"/>
+        <p14:creationId xmlns:p14="http://schemas.microsoft.com/office/powerpoint/2010/main" val="4277920755"/>
       </p:ext>
     </p:extLst>
   </p:cSld>
@@ -1228,7 +1228,7 @@
           <p:cNvPr id="2" name="标题 1">
             <a:extLst>
               <a:ext uri="{FF2B5EF4-FFF2-40B4-BE49-F238E27FC236}">
-                <a16:creationId xmlns:a16="http://schemas.microsoft.com/office/drawing/2014/main" id="{41C29B2D-8002-0754-38EE-1D62F0D7B15E}"/>
+                <a16:creationId xmlns:a16="http://schemas.microsoft.com/office/drawing/2014/main" id="{76FE11C0-9BCB-6AD0-E255-3DEF5F838D31}"/>
               </a:ext>
             </a:extLst>
           </p:cNvPr>
@@ -1256,7 +1256,7 @@
           <p:cNvPr id="3" name="内容占位符 2">
             <a:extLst>
               <a:ext uri="{FF2B5EF4-FFF2-40B4-BE49-F238E27FC236}">
-                <a16:creationId xmlns:a16="http://schemas.microsoft.com/office/drawing/2014/main" id="{8DFF1B94-579C-AB74-E31C-F353FBC0571A}"/>
+                <a16:creationId xmlns:a16="http://schemas.microsoft.com/office/drawing/2014/main" id="{6B92120D-CF34-215A-1250-C4F46D754087}"/>
               </a:ext>
             </a:extLst>
           </p:cNvPr>
@@ -1318,7 +1318,7 @@
           <p:cNvPr id="4" name="内容占位符 3">
             <a:extLst>
               <a:ext uri="{FF2B5EF4-FFF2-40B4-BE49-F238E27FC236}">
-                <a16:creationId xmlns:a16="http://schemas.microsoft.com/office/drawing/2014/main" id="{2E5FB24A-0CE1-F8C8-7838-7F0AEDB1606A}"/>
+                <a16:creationId xmlns:a16="http://schemas.microsoft.com/office/drawing/2014/main" id="{0D2D58E4-386F-0809-9E9F-B05F30A43CAF}"/>
               </a:ext>
             </a:extLst>
           </p:cNvPr>
@@ -1380,7 +1380,7 @@
           <p:cNvPr id="5" name="日期占位符 4">
             <a:extLst>
               <a:ext uri="{FF2B5EF4-FFF2-40B4-BE49-F238E27FC236}">
-                <a16:creationId xmlns:a16="http://schemas.microsoft.com/office/drawing/2014/main" id="{05E4440F-E1B2-1372-1AF1-9C868ABB7481}"/>
+                <a16:creationId xmlns:a16="http://schemas.microsoft.com/office/drawing/2014/main" id="{6D54D5FB-93B5-4623-F861-BA0729346936}"/>
               </a:ext>
             </a:extLst>
           </p:cNvPr>
@@ -1396,7 +1396,7 @@
           <a:bodyPr/>
           <a:lstStyle/>
           <a:p>
-            <a:fld id="{EE5C1DCF-FBAE-4DF8-B038-3712B8E92CC9}" type="datetimeFigureOut">
+            <a:fld id="{DF54E3B6-993A-4573-927B-2ED5DAC6C89E}" type="datetimeFigureOut">
               <a:rPr lang="zh-CN" altLang="en-US" smtClean="0"/>
               <a:t>2024/3/10</a:t>
             </a:fld>
@@ -1409,7 +1409,7 @@
           <p:cNvPr id="6" name="页脚占位符 5">
             <a:extLst>
               <a:ext uri="{FF2B5EF4-FFF2-40B4-BE49-F238E27FC236}">
-                <a16:creationId xmlns:a16="http://schemas.microsoft.com/office/drawing/2014/main" id="{20AC33CC-B251-F4A4-DBBB-3DD65A0E0502}"/>
+                <a16:creationId xmlns:a16="http://schemas.microsoft.com/office/drawing/2014/main" id="{FAE09D55-454E-DCE5-04ED-948FDF67AB86}"/>
               </a:ext>
             </a:extLst>
           </p:cNvPr>
@@ -1434,7 +1434,7 @@
           <p:cNvPr id="7" name="灯片编号占位符 6">
             <a:extLst>
               <a:ext uri="{FF2B5EF4-FFF2-40B4-BE49-F238E27FC236}">
-                <a16:creationId xmlns:a16="http://schemas.microsoft.com/office/drawing/2014/main" id="{E261F28E-BAA2-E293-397F-AAD956C04498}"/>
+                <a16:creationId xmlns:a16="http://schemas.microsoft.com/office/drawing/2014/main" id="{B0D72657-7B16-57DD-73F8-027DCAE52A9C}"/>
               </a:ext>
             </a:extLst>
           </p:cNvPr>
@@ -1450,7 +1450,7 @@
           <a:bodyPr/>
           <a:lstStyle/>
           <a:p>
-            <a:fld id="{F771F2CF-8477-4FF4-9D47-5FC4D9A19634}" type="slidenum">
+            <a:fld id="{D60FA6F7-202C-46CC-AED2-AF4F88BFAC25}" type="slidenum">
               <a:rPr lang="zh-CN" altLang="en-US" smtClean="0"/>
               <a:t>‹#›</a:t>
             </a:fld>
@@ -1461,7 +1461,7 @@
     </p:spTree>
     <p:extLst>
       <p:ext uri="{BB962C8B-B14F-4D97-AF65-F5344CB8AC3E}">
-        <p14:creationId xmlns:p14="http://schemas.microsoft.com/office/powerpoint/2010/main" val="2706762904"/>
+        <p14:creationId xmlns:p14="http://schemas.microsoft.com/office/powerpoint/2010/main" val="517772032"/>
       </p:ext>
     </p:extLst>
   </p:cSld>
@@ -1493,7 +1493,7 @@
           <p:cNvPr id="2" name="标题 1">
             <a:extLst>
               <a:ext uri="{FF2B5EF4-FFF2-40B4-BE49-F238E27FC236}">
-                <a16:creationId xmlns:a16="http://schemas.microsoft.com/office/drawing/2014/main" id="{1DFAC60A-0481-8E12-3D53-32961E59DE67}"/>
+                <a16:creationId xmlns:a16="http://schemas.microsoft.com/office/drawing/2014/main" id="{88A79C24-C859-4474-FF6F-605365A75B5B}"/>
               </a:ext>
             </a:extLst>
           </p:cNvPr>
@@ -1526,7 +1526,7 @@
           <p:cNvPr id="3" name="文本占位符 2">
             <a:extLst>
               <a:ext uri="{FF2B5EF4-FFF2-40B4-BE49-F238E27FC236}">
-                <a16:creationId xmlns:a16="http://schemas.microsoft.com/office/drawing/2014/main" id="{81315584-FFB1-F9CD-A4EF-9719DBC4C6F6}"/>
+                <a16:creationId xmlns:a16="http://schemas.microsoft.com/office/drawing/2014/main" id="{7B4C6C5B-4FD1-A343-2086-4AECC4A3B08F}"/>
               </a:ext>
             </a:extLst>
           </p:cNvPr>
@@ -1597,7 +1597,7 @@
           <p:cNvPr id="4" name="内容占位符 3">
             <a:extLst>
               <a:ext uri="{FF2B5EF4-FFF2-40B4-BE49-F238E27FC236}">
-                <a16:creationId xmlns:a16="http://schemas.microsoft.com/office/drawing/2014/main" id="{FC6A5EA5-6333-5787-0922-4C745F6145C9}"/>
+                <a16:creationId xmlns:a16="http://schemas.microsoft.com/office/drawing/2014/main" id="{DA3249A7-4465-AD0A-F9FA-26BC21880DC3}"/>
               </a:ext>
             </a:extLst>
           </p:cNvPr>
@@ -1659,7 +1659,7 @@
           <p:cNvPr id="5" name="文本占位符 4">
             <a:extLst>
               <a:ext uri="{FF2B5EF4-FFF2-40B4-BE49-F238E27FC236}">
-                <a16:creationId xmlns:a16="http://schemas.microsoft.com/office/drawing/2014/main" id="{55C29E5E-2E5F-C1AE-88BB-CD2FAB7CE4E8}"/>
+                <a16:creationId xmlns:a16="http://schemas.microsoft.com/office/drawing/2014/main" id="{98D3F87B-AA99-3CDF-BEAD-9DEB5D31AB1D}"/>
               </a:ext>
             </a:extLst>
           </p:cNvPr>
@@ -1730,7 +1730,7 @@
           <p:cNvPr id="6" name="内容占位符 5">
             <a:extLst>
               <a:ext uri="{FF2B5EF4-FFF2-40B4-BE49-F238E27FC236}">
-                <a16:creationId xmlns:a16="http://schemas.microsoft.com/office/drawing/2014/main" id="{19987A24-260A-144D-A3F4-9987DC55B9E8}"/>
+                <a16:creationId xmlns:a16="http://schemas.microsoft.com/office/drawing/2014/main" id="{3DC33CA4-B982-C3FC-E281-973893875EE8}"/>
               </a:ext>
             </a:extLst>
           </p:cNvPr>
@@ -1792,7 +1792,7 @@
           <p:cNvPr id="7" name="日期占位符 6">
             <a:extLst>
               <a:ext uri="{FF2B5EF4-FFF2-40B4-BE49-F238E27FC236}">
-                <a16:creationId xmlns:a16="http://schemas.microsoft.com/office/drawing/2014/main" id="{8BEA3273-A307-AF6A-E89E-BA15541CC2A5}"/>
+                <a16:creationId xmlns:a16="http://schemas.microsoft.com/office/drawing/2014/main" id="{ED6E0FE3-CBD5-4F16-A08C-83595C7AE422}"/>
               </a:ext>
             </a:extLst>
           </p:cNvPr>
@@ -1808,7 +1808,7 @@
           <a:bodyPr/>
           <a:lstStyle/>
           <a:p>
-            <a:fld id="{EE5C1DCF-FBAE-4DF8-B038-3712B8E92CC9}" type="datetimeFigureOut">
+            <a:fld id="{DF54E3B6-993A-4573-927B-2ED5DAC6C89E}" type="datetimeFigureOut">
               <a:rPr lang="zh-CN" altLang="en-US" smtClean="0"/>
               <a:t>2024/3/10</a:t>
             </a:fld>
@@ -1821,7 +1821,7 @@
           <p:cNvPr id="8" name="页脚占位符 7">
             <a:extLst>
               <a:ext uri="{FF2B5EF4-FFF2-40B4-BE49-F238E27FC236}">
-                <a16:creationId xmlns:a16="http://schemas.microsoft.com/office/drawing/2014/main" id="{4AE72BEE-CCF5-B9F9-E3C1-670A1C4C860F}"/>
+                <a16:creationId xmlns:a16="http://schemas.microsoft.com/office/drawing/2014/main" id="{99BA0AED-F874-8877-183C-435B1DA1B218}"/>
               </a:ext>
             </a:extLst>
           </p:cNvPr>
@@ -1846,7 +1846,7 @@
           <p:cNvPr id="9" name="灯片编号占位符 8">
             <a:extLst>
               <a:ext uri="{FF2B5EF4-FFF2-40B4-BE49-F238E27FC236}">
-                <a16:creationId xmlns:a16="http://schemas.microsoft.com/office/drawing/2014/main" id="{9D999D90-802C-62C8-DD9E-066D54F52458}"/>
+                <a16:creationId xmlns:a16="http://schemas.microsoft.com/office/drawing/2014/main" id="{303B2C40-93B2-C782-1227-A268E82FC07F}"/>
               </a:ext>
             </a:extLst>
           </p:cNvPr>
@@ -1862,7 +1862,7 @@
           <a:bodyPr/>
           <a:lstStyle/>
           <a:p>
-            <a:fld id="{F771F2CF-8477-4FF4-9D47-5FC4D9A19634}" type="slidenum">
+            <a:fld id="{D60FA6F7-202C-46CC-AED2-AF4F88BFAC25}" type="slidenum">
               <a:rPr lang="zh-CN" altLang="en-US" smtClean="0"/>
               <a:t>‹#›</a:t>
             </a:fld>
@@ -1873,7 +1873,7 @@
     </p:spTree>
     <p:extLst>
       <p:ext uri="{BB962C8B-B14F-4D97-AF65-F5344CB8AC3E}">
-        <p14:creationId xmlns:p14="http://schemas.microsoft.com/office/powerpoint/2010/main" val="1977482666"/>
+        <p14:creationId xmlns:p14="http://schemas.microsoft.com/office/powerpoint/2010/main" val="2413489608"/>
       </p:ext>
     </p:extLst>
   </p:cSld>
@@ -1905,7 +1905,7 @@
           <p:cNvPr id="2" name="标题 1">
             <a:extLst>
               <a:ext uri="{FF2B5EF4-FFF2-40B4-BE49-F238E27FC236}">
-                <a16:creationId xmlns:a16="http://schemas.microsoft.com/office/drawing/2014/main" id="{D273071B-6689-321D-5D91-90D0B5DC0FCC}"/>
+                <a16:creationId xmlns:a16="http://schemas.microsoft.com/office/drawing/2014/main" id="{5079E06F-E364-02AF-D06F-243362959FF9}"/>
               </a:ext>
             </a:extLst>
           </p:cNvPr>
@@ -1933,7 +1933,7 @@
           <p:cNvPr id="3" name="日期占位符 2">
             <a:extLst>
               <a:ext uri="{FF2B5EF4-FFF2-40B4-BE49-F238E27FC236}">
-                <a16:creationId xmlns:a16="http://schemas.microsoft.com/office/drawing/2014/main" id="{1291937F-6A73-1039-DFD5-50051C5B5101}"/>
+                <a16:creationId xmlns:a16="http://schemas.microsoft.com/office/drawing/2014/main" id="{69B1BD57-78D4-4383-130B-059E5658A00E}"/>
               </a:ext>
             </a:extLst>
           </p:cNvPr>
@@ -1949,7 +1949,7 @@
           <a:bodyPr/>
           <a:lstStyle/>
           <a:p>
-            <a:fld id="{EE5C1DCF-FBAE-4DF8-B038-3712B8E92CC9}" type="datetimeFigureOut">
+            <a:fld id="{DF54E3B6-993A-4573-927B-2ED5DAC6C89E}" type="datetimeFigureOut">
               <a:rPr lang="zh-CN" altLang="en-US" smtClean="0"/>
               <a:t>2024/3/10</a:t>
             </a:fld>
@@ -1962,7 +1962,7 @@
           <p:cNvPr id="4" name="页脚占位符 3">
             <a:extLst>
               <a:ext uri="{FF2B5EF4-FFF2-40B4-BE49-F238E27FC236}">
-                <a16:creationId xmlns:a16="http://schemas.microsoft.com/office/drawing/2014/main" id="{DF8FE8B5-79CF-9D1D-E4BD-F48B9D507CCA}"/>
+                <a16:creationId xmlns:a16="http://schemas.microsoft.com/office/drawing/2014/main" id="{C1DAD66D-8019-6964-36FE-2FEC2ADD642B}"/>
               </a:ext>
             </a:extLst>
           </p:cNvPr>
@@ -1987,7 +1987,7 @@
           <p:cNvPr id="5" name="灯片编号占位符 4">
             <a:extLst>
               <a:ext uri="{FF2B5EF4-FFF2-40B4-BE49-F238E27FC236}">
-                <a16:creationId xmlns:a16="http://schemas.microsoft.com/office/drawing/2014/main" id="{91879E2A-532D-4875-CA5E-7B19B3DB2CFF}"/>
+                <a16:creationId xmlns:a16="http://schemas.microsoft.com/office/drawing/2014/main" id="{642CDD6F-493A-CF25-59B5-51DDD99456B6}"/>
               </a:ext>
             </a:extLst>
           </p:cNvPr>
@@ -2003,7 +2003,7 @@
           <a:bodyPr/>
           <a:lstStyle/>
           <a:p>
-            <a:fld id="{F771F2CF-8477-4FF4-9D47-5FC4D9A19634}" type="slidenum">
+            <a:fld id="{D60FA6F7-202C-46CC-AED2-AF4F88BFAC25}" type="slidenum">
               <a:rPr lang="zh-CN" altLang="en-US" smtClean="0"/>
               <a:t>‹#›</a:t>
             </a:fld>
@@ -2014,7 +2014,7 @@
     </p:spTree>
     <p:extLst>
       <p:ext uri="{BB962C8B-B14F-4D97-AF65-F5344CB8AC3E}">
-        <p14:creationId xmlns:p14="http://schemas.microsoft.com/office/powerpoint/2010/main" val="522158378"/>
+        <p14:creationId xmlns:p14="http://schemas.microsoft.com/office/powerpoint/2010/main" val="3002037680"/>
       </p:ext>
     </p:extLst>
   </p:cSld>
@@ -2046,7 +2046,7 @@
           <p:cNvPr id="2" name="日期占位符 1">
             <a:extLst>
               <a:ext uri="{FF2B5EF4-FFF2-40B4-BE49-F238E27FC236}">
-                <a16:creationId xmlns:a16="http://schemas.microsoft.com/office/drawing/2014/main" id="{29318685-5E39-FFEC-7B3C-26D663F0781A}"/>
+                <a16:creationId xmlns:a16="http://schemas.microsoft.com/office/drawing/2014/main" id="{C9EA1592-AE46-EF8D-E2E1-88746C0AD483}"/>
               </a:ext>
             </a:extLst>
           </p:cNvPr>
@@ -2062,7 +2062,7 @@
           <a:bodyPr/>
           <a:lstStyle/>
           <a:p>
-            <a:fld id="{EE5C1DCF-FBAE-4DF8-B038-3712B8E92CC9}" type="datetimeFigureOut">
+            <a:fld id="{DF54E3B6-993A-4573-927B-2ED5DAC6C89E}" type="datetimeFigureOut">
               <a:rPr lang="zh-CN" altLang="en-US" smtClean="0"/>
               <a:t>2024/3/10</a:t>
             </a:fld>
@@ -2075,7 +2075,7 @@
           <p:cNvPr id="3" name="页脚占位符 2">
             <a:extLst>
               <a:ext uri="{FF2B5EF4-FFF2-40B4-BE49-F238E27FC236}">
-                <a16:creationId xmlns:a16="http://schemas.microsoft.com/office/drawing/2014/main" id="{50F57ABE-DB86-2F92-2575-030899B91F54}"/>
+                <a16:creationId xmlns:a16="http://schemas.microsoft.com/office/drawing/2014/main" id="{8FC6623C-34A6-3E9D-9F27-496FA4C21C26}"/>
               </a:ext>
             </a:extLst>
           </p:cNvPr>
@@ -2100,7 +2100,7 @@
           <p:cNvPr id="4" name="灯片编号占位符 3">
             <a:extLst>
               <a:ext uri="{FF2B5EF4-FFF2-40B4-BE49-F238E27FC236}">
-                <a16:creationId xmlns:a16="http://schemas.microsoft.com/office/drawing/2014/main" id="{01769359-3A1F-F6E7-1B7B-C8F8A8F3924A}"/>
+                <a16:creationId xmlns:a16="http://schemas.microsoft.com/office/drawing/2014/main" id="{D9C84CC1-4FD3-45A0-D914-40EB631A664E}"/>
               </a:ext>
             </a:extLst>
           </p:cNvPr>
@@ -2116,7 +2116,7 @@
           <a:bodyPr/>
           <a:lstStyle/>
           <a:p>
-            <a:fld id="{F771F2CF-8477-4FF4-9D47-5FC4D9A19634}" type="slidenum">
+            <a:fld id="{D60FA6F7-202C-46CC-AED2-AF4F88BFAC25}" type="slidenum">
               <a:rPr lang="zh-CN" altLang="en-US" smtClean="0"/>
               <a:t>‹#›</a:t>
             </a:fld>
@@ -2127,7 +2127,7 @@
     </p:spTree>
     <p:extLst>
       <p:ext uri="{BB962C8B-B14F-4D97-AF65-F5344CB8AC3E}">
-        <p14:creationId xmlns:p14="http://schemas.microsoft.com/office/powerpoint/2010/main" val="1593864738"/>
+        <p14:creationId xmlns:p14="http://schemas.microsoft.com/office/powerpoint/2010/main" val="2760346423"/>
       </p:ext>
     </p:extLst>
   </p:cSld>
@@ -2159,7 +2159,7 @@
           <p:cNvPr id="2" name="标题 1">
             <a:extLst>
               <a:ext uri="{FF2B5EF4-FFF2-40B4-BE49-F238E27FC236}">
-                <a16:creationId xmlns:a16="http://schemas.microsoft.com/office/drawing/2014/main" id="{DB7C2F91-4BC5-342E-820D-2471BA4EE0F5}"/>
+                <a16:creationId xmlns:a16="http://schemas.microsoft.com/office/drawing/2014/main" id="{1AEDB89A-3667-4ADF-270B-BC7538C798B2}"/>
               </a:ext>
             </a:extLst>
           </p:cNvPr>
@@ -2196,7 +2196,7 @@
           <p:cNvPr id="3" name="内容占位符 2">
             <a:extLst>
               <a:ext uri="{FF2B5EF4-FFF2-40B4-BE49-F238E27FC236}">
-                <a16:creationId xmlns:a16="http://schemas.microsoft.com/office/drawing/2014/main" id="{A1ED423E-6332-2DAC-9F3B-8AFF7D5386C0}"/>
+                <a16:creationId xmlns:a16="http://schemas.microsoft.com/office/drawing/2014/main" id="{B6BD9356-E263-303C-D1FD-8E314D9C6791}"/>
               </a:ext>
             </a:extLst>
           </p:cNvPr>
@@ -2286,7 +2286,7 @@
           <p:cNvPr id="4" name="文本占位符 3">
             <a:extLst>
               <a:ext uri="{FF2B5EF4-FFF2-40B4-BE49-F238E27FC236}">
-                <a16:creationId xmlns:a16="http://schemas.microsoft.com/office/drawing/2014/main" id="{67C626B9-E0C1-8E12-F42A-2D3CAEF7179F}"/>
+                <a16:creationId xmlns:a16="http://schemas.microsoft.com/office/drawing/2014/main" id="{49FFD040-EF7F-A3DA-D132-558AF7720F70}"/>
               </a:ext>
             </a:extLst>
           </p:cNvPr>
@@ -2357,7 +2357,7 @@
           <p:cNvPr id="5" name="日期占位符 4">
             <a:extLst>
               <a:ext uri="{FF2B5EF4-FFF2-40B4-BE49-F238E27FC236}">
-                <a16:creationId xmlns:a16="http://schemas.microsoft.com/office/drawing/2014/main" id="{EB12E0B3-6F64-1C3A-01C8-C1F75F44FF81}"/>
+                <a16:creationId xmlns:a16="http://schemas.microsoft.com/office/drawing/2014/main" id="{CA37C7DB-A7D0-ACEE-5372-275F593D2C61}"/>
               </a:ext>
             </a:extLst>
           </p:cNvPr>
@@ -2373,7 +2373,7 @@
           <a:bodyPr/>
           <a:lstStyle/>
           <a:p>
-            <a:fld id="{EE5C1DCF-FBAE-4DF8-B038-3712B8E92CC9}" type="datetimeFigureOut">
+            <a:fld id="{DF54E3B6-993A-4573-927B-2ED5DAC6C89E}" type="datetimeFigureOut">
               <a:rPr lang="zh-CN" altLang="en-US" smtClean="0"/>
               <a:t>2024/3/10</a:t>
             </a:fld>
@@ -2386,7 +2386,7 @@
           <p:cNvPr id="6" name="页脚占位符 5">
             <a:extLst>
               <a:ext uri="{FF2B5EF4-FFF2-40B4-BE49-F238E27FC236}">
-                <a16:creationId xmlns:a16="http://schemas.microsoft.com/office/drawing/2014/main" id="{5A1B661A-A441-A2B3-D43D-A437DBDE46B8}"/>
+                <a16:creationId xmlns:a16="http://schemas.microsoft.com/office/drawing/2014/main" id="{D725B323-B7D3-87DE-E841-5AA431820650}"/>
               </a:ext>
             </a:extLst>
           </p:cNvPr>
@@ -2411,7 +2411,7 @@
           <p:cNvPr id="7" name="灯片编号占位符 6">
             <a:extLst>
               <a:ext uri="{FF2B5EF4-FFF2-40B4-BE49-F238E27FC236}">
-                <a16:creationId xmlns:a16="http://schemas.microsoft.com/office/drawing/2014/main" id="{B0C9B5C9-C572-607D-BED9-D3D57D3E8C39}"/>
+                <a16:creationId xmlns:a16="http://schemas.microsoft.com/office/drawing/2014/main" id="{E21C17EE-38AB-0F0B-FDF6-235558202687}"/>
               </a:ext>
             </a:extLst>
           </p:cNvPr>
@@ -2427,7 +2427,7 @@
           <a:bodyPr/>
           <a:lstStyle/>
           <a:p>
-            <a:fld id="{F771F2CF-8477-4FF4-9D47-5FC4D9A19634}" type="slidenum">
+            <a:fld id="{D60FA6F7-202C-46CC-AED2-AF4F88BFAC25}" type="slidenum">
               <a:rPr lang="zh-CN" altLang="en-US" smtClean="0"/>
               <a:t>‹#›</a:t>
             </a:fld>
@@ -2438,7 +2438,7 @@
     </p:spTree>
     <p:extLst>
       <p:ext uri="{BB962C8B-B14F-4D97-AF65-F5344CB8AC3E}">
-        <p14:creationId xmlns:p14="http://schemas.microsoft.com/office/powerpoint/2010/main" val="20148381"/>
+        <p14:creationId xmlns:p14="http://schemas.microsoft.com/office/powerpoint/2010/main" val="1065653137"/>
       </p:ext>
     </p:extLst>
   </p:cSld>
@@ -2470,7 +2470,7 @@
           <p:cNvPr id="2" name="标题 1">
             <a:extLst>
               <a:ext uri="{FF2B5EF4-FFF2-40B4-BE49-F238E27FC236}">
-                <a16:creationId xmlns:a16="http://schemas.microsoft.com/office/drawing/2014/main" id="{CE716A07-827C-A7FA-9311-380ED6D6E4CE}"/>
+                <a16:creationId xmlns:a16="http://schemas.microsoft.com/office/drawing/2014/main" id="{2E20F89C-A9B9-7186-44B7-7DCAE651B4D7}"/>
               </a:ext>
             </a:extLst>
           </p:cNvPr>
@@ -2507,7 +2507,7 @@
           <p:cNvPr id="3" name="图片占位符 2">
             <a:extLst>
               <a:ext uri="{FF2B5EF4-FFF2-40B4-BE49-F238E27FC236}">
-                <a16:creationId xmlns:a16="http://schemas.microsoft.com/office/drawing/2014/main" id="{8437298E-9557-3294-11AF-44C7463B3F80}"/>
+                <a16:creationId xmlns:a16="http://schemas.microsoft.com/office/drawing/2014/main" id="{3B287D51-A24B-E726-E757-FCA97729706A}"/>
               </a:ext>
             </a:extLst>
           </p:cNvPr>
@@ -2574,7 +2574,7 @@
           <p:cNvPr id="4" name="文本占位符 3">
             <a:extLst>
               <a:ext uri="{FF2B5EF4-FFF2-40B4-BE49-F238E27FC236}">
-                <a16:creationId xmlns:a16="http://schemas.microsoft.com/office/drawing/2014/main" id="{C3722A82-D122-8E26-0381-88829CB93661}"/>
+                <a16:creationId xmlns:a16="http://schemas.microsoft.com/office/drawing/2014/main" id="{94C821B7-CF4B-6E2C-8E5C-C40D9BAA2776}"/>
               </a:ext>
             </a:extLst>
           </p:cNvPr>
@@ -2645,7 +2645,7 @@
           <p:cNvPr id="5" name="日期占位符 4">
             <a:extLst>
               <a:ext uri="{FF2B5EF4-FFF2-40B4-BE49-F238E27FC236}">
-                <a16:creationId xmlns:a16="http://schemas.microsoft.com/office/drawing/2014/main" id="{6B6D210A-25FA-B52A-1643-15C1B22CA97B}"/>
+                <a16:creationId xmlns:a16="http://schemas.microsoft.com/office/drawing/2014/main" id="{6E59A4EB-341F-382A-C02A-0DC761D08A29}"/>
               </a:ext>
             </a:extLst>
           </p:cNvPr>
@@ -2661,7 +2661,7 @@
           <a:bodyPr/>
           <a:lstStyle/>
           <a:p>
-            <a:fld id="{EE5C1DCF-FBAE-4DF8-B038-3712B8E92CC9}" type="datetimeFigureOut">
+            <a:fld id="{DF54E3B6-993A-4573-927B-2ED5DAC6C89E}" type="datetimeFigureOut">
               <a:rPr lang="zh-CN" altLang="en-US" smtClean="0"/>
               <a:t>2024/3/10</a:t>
             </a:fld>
@@ -2674,7 +2674,7 @@
           <p:cNvPr id="6" name="页脚占位符 5">
             <a:extLst>
               <a:ext uri="{FF2B5EF4-FFF2-40B4-BE49-F238E27FC236}">
-                <a16:creationId xmlns:a16="http://schemas.microsoft.com/office/drawing/2014/main" id="{0E35885A-AEE9-9C7C-A2C2-06E0C027212D}"/>
+                <a16:creationId xmlns:a16="http://schemas.microsoft.com/office/drawing/2014/main" id="{47BF694F-5368-0D23-B89E-83E4652745C3}"/>
               </a:ext>
             </a:extLst>
           </p:cNvPr>
@@ -2699,7 +2699,7 @@
           <p:cNvPr id="7" name="灯片编号占位符 6">
             <a:extLst>
               <a:ext uri="{FF2B5EF4-FFF2-40B4-BE49-F238E27FC236}">
-                <a16:creationId xmlns:a16="http://schemas.microsoft.com/office/drawing/2014/main" id="{BA7A6E41-628D-9A2E-786F-2E0675FEAED3}"/>
+                <a16:creationId xmlns:a16="http://schemas.microsoft.com/office/drawing/2014/main" id="{FCE605E9-AC42-AE77-6539-2729765A9981}"/>
               </a:ext>
             </a:extLst>
           </p:cNvPr>
@@ -2715,7 +2715,7 @@
           <a:bodyPr/>
           <a:lstStyle/>
           <a:p>
-            <a:fld id="{F771F2CF-8477-4FF4-9D47-5FC4D9A19634}" type="slidenum">
+            <a:fld id="{D60FA6F7-202C-46CC-AED2-AF4F88BFAC25}" type="slidenum">
               <a:rPr lang="zh-CN" altLang="en-US" smtClean="0"/>
               <a:t>‹#›</a:t>
             </a:fld>
@@ -2726,7 +2726,7 @@
     </p:spTree>
     <p:extLst>
       <p:ext uri="{BB962C8B-B14F-4D97-AF65-F5344CB8AC3E}">
-        <p14:creationId xmlns:p14="http://schemas.microsoft.com/office/powerpoint/2010/main" val="481978945"/>
+        <p14:creationId xmlns:p14="http://schemas.microsoft.com/office/powerpoint/2010/main" val="3989013359"/>
       </p:ext>
     </p:extLst>
   </p:cSld>
@@ -2763,7 +2763,7 @@
           <p:cNvPr id="2" name="标题占位符 1">
             <a:extLst>
               <a:ext uri="{FF2B5EF4-FFF2-40B4-BE49-F238E27FC236}">
-                <a16:creationId xmlns:a16="http://schemas.microsoft.com/office/drawing/2014/main" id="{2C857E02-9665-5B1C-A5F9-C33F894911C9}"/>
+                <a16:creationId xmlns:a16="http://schemas.microsoft.com/office/drawing/2014/main" id="{49A0540F-0BEA-4058-212D-15F4B0C24B8E}"/>
               </a:ext>
             </a:extLst>
           </p:cNvPr>
@@ -2801,7 +2801,7 @@
           <p:cNvPr id="3" name="文本占位符 2">
             <a:extLst>
               <a:ext uri="{FF2B5EF4-FFF2-40B4-BE49-F238E27FC236}">
-                <a16:creationId xmlns:a16="http://schemas.microsoft.com/office/drawing/2014/main" id="{5BE5B8DC-9DDD-AA8B-A4FF-2BFEB284E8BA}"/>
+                <a16:creationId xmlns:a16="http://schemas.microsoft.com/office/drawing/2014/main" id="{F71D82AD-CAF4-0A44-3FE3-8B2FB006F698}"/>
               </a:ext>
             </a:extLst>
           </p:cNvPr>
@@ -2868,7 +2868,7 @@
           <p:cNvPr id="4" name="日期占位符 3">
             <a:extLst>
               <a:ext uri="{FF2B5EF4-FFF2-40B4-BE49-F238E27FC236}">
-                <a16:creationId xmlns:a16="http://schemas.microsoft.com/office/drawing/2014/main" id="{1DA9AFC1-ED69-C1D8-6909-2CB3E43D1C04}"/>
+                <a16:creationId xmlns:a16="http://schemas.microsoft.com/office/drawing/2014/main" id="{8E74FAE5-13DF-91C5-E041-4E71DC682916}"/>
               </a:ext>
             </a:extLst>
           </p:cNvPr>
@@ -2902,7 +2902,7 @@
             </a:lvl1pPr>
           </a:lstStyle>
           <a:p>
-            <a:fld id="{EE5C1DCF-FBAE-4DF8-B038-3712B8E92CC9}" type="datetimeFigureOut">
+            <a:fld id="{DF54E3B6-993A-4573-927B-2ED5DAC6C89E}" type="datetimeFigureOut">
               <a:rPr lang="zh-CN" altLang="en-US" smtClean="0"/>
               <a:t>2024/3/10</a:t>
             </a:fld>
@@ -2915,7 +2915,7 @@
           <p:cNvPr id="5" name="页脚占位符 4">
             <a:extLst>
               <a:ext uri="{FF2B5EF4-FFF2-40B4-BE49-F238E27FC236}">
-                <a16:creationId xmlns:a16="http://schemas.microsoft.com/office/drawing/2014/main" id="{C83AB14A-1F29-6133-0878-532E48C2CC50}"/>
+                <a16:creationId xmlns:a16="http://schemas.microsoft.com/office/drawing/2014/main" id="{9F7C3223-C242-6796-BB6E-53F6BF9FCB49}"/>
               </a:ext>
             </a:extLst>
           </p:cNvPr>
@@ -2958,7 +2958,7 @@
           <p:cNvPr id="6" name="灯片编号占位符 5">
             <a:extLst>
               <a:ext uri="{FF2B5EF4-FFF2-40B4-BE49-F238E27FC236}">
-                <a16:creationId xmlns:a16="http://schemas.microsoft.com/office/drawing/2014/main" id="{FE83A386-D4B7-4914-83CA-D101E54A664A}"/>
+                <a16:creationId xmlns:a16="http://schemas.microsoft.com/office/drawing/2014/main" id="{5E49136F-0F90-9C36-AD0A-C70307229E2E}"/>
               </a:ext>
             </a:extLst>
           </p:cNvPr>
@@ -2992,7 +2992,7 @@
             </a:lvl1pPr>
           </a:lstStyle>
           <a:p>
-            <a:fld id="{F771F2CF-8477-4FF4-9D47-5FC4D9A19634}" type="slidenum">
+            <a:fld id="{D60FA6F7-202C-46CC-AED2-AF4F88BFAC25}" type="slidenum">
               <a:rPr lang="zh-CN" altLang="en-US" smtClean="0"/>
               <a:t>‹#›</a:t>
             </a:fld>
@@ -3003,7 +3003,7 @@
     </p:spTree>
     <p:extLst>
       <p:ext uri="{BB962C8B-B14F-4D97-AF65-F5344CB8AC3E}">
-        <p14:creationId xmlns:p14="http://schemas.microsoft.com/office/powerpoint/2010/main" val="3869576237"/>
+        <p14:creationId xmlns:p14="http://schemas.microsoft.com/office/powerpoint/2010/main" val="1660439832"/>
       </p:ext>
     </p:extLst>
   </p:cSld>
@@ -3323,7 +3323,7 @@
       </p:grpSpPr>
       <p:pic>
         <p:nvPicPr>
-          <p:cNvPr id="319490" name="Picture 2" descr="311"/>
+          <p:cNvPr id="320514" name="Picture 2" descr="312"/>
           <p:cNvPicPr>
             <a:picLocks noChangeAspect="1" noChangeArrowheads="1"/>
           </p:cNvPicPr>
@@ -3377,7 +3377,7 @@
       </p:pic>
       <p:pic>
         <p:nvPicPr>
-          <p:cNvPr id="320515" name="Picture 3" descr="311-2"/>
+          <p:cNvPr id="321539" name="Picture 3" descr="312-2"/>
           <p:cNvPicPr>
             <a:picLocks noChangeAspect="1" noChangeArrowheads="1"/>
           </p:cNvPicPr>
@@ -3398,7 +3398,7 @@
         </p:blipFill>
         <p:spPr bwMode="auto">
           <a:xfrm>
-            <a:off x="1524000" y="26988"/>
+            <a:off x="1524000" y="0"/>
             <a:ext cx="9144000" cy="6858000"/>
           </a:xfrm>
           <a:prstGeom prst="rect">
@@ -3478,7 +3478,7 @@
                                           </p:stCondLst>
                                         </p:cTn>
                                         <p:tgtEl>
-                                          <p:spTgt spid="320515"/>
+                                          <p:spTgt spid="321539"/>
                                         </p:tgtEl>
                                         <p:attrNameLst>
                                           <p:attrName>style.visibility</p:attrName>
@@ -3492,7 +3492,7 @@
                                       <p:cBhvr>
                                         <p:cTn id="7" dur="500"/>
                                         <p:tgtEl>
-                                          <p:spTgt spid="320515"/>
+                                          <p:spTgt spid="321539"/>
                                         </p:tgtEl>
                                       </p:cBhvr>
                                     </p:animEffect>
